--- a/hpc1/02 Data - Slides.pptx
+++ b/hpc1/02 Data - Slides.pptx
@@ -5,7 +5,7 @@
     <p:sldMasterId id="2147483648" r:id="rId1"/>
   </p:sldMasterIdLst>
   <p:notesMasterIdLst>
-    <p:notesMasterId r:id="rId46"/>
+    <p:notesMasterId r:id="rId45"/>
   </p:notesMasterIdLst>
   <p:sldIdLst>
     <p:sldId id="256" r:id="rId2"/>
@@ -47,11 +47,10 @@
     <p:sldId id="258" r:id="rId38"/>
     <p:sldId id="299" r:id="rId39"/>
     <p:sldId id="300" r:id="rId40"/>
-    <p:sldId id="302" r:id="rId41"/>
-    <p:sldId id="301" r:id="rId42"/>
-    <p:sldId id="304" r:id="rId43"/>
+    <p:sldId id="301" r:id="rId41"/>
+    <p:sldId id="304" r:id="rId42"/>
+    <p:sldId id="302" r:id="rId43"/>
     <p:sldId id="305" r:id="rId44"/>
-    <p:sldId id="306" r:id="rId45"/>
   </p:sldIdLst>
   <p:sldSz cx="9144000" cy="6858000" type="screen4x3"/>
   <p:notesSz cx="6858000" cy="9144000"/>
@@ -180,6 +179,22 @@
       </a:defRPr>
     </a:lvl9pPr>
   </p:defaultTextStyle>
+  <p:extLst>
+    <p:ext uri="{EFAFB233-063F-42B5-8137-9DF3F51BA10A}">
+      <p15:sldGuideLst xmlns:p15="http://schemas.microsoft.com/office/powerpoint/2012/main">
+        <p15:guide id="1" orient="horz" pos="2160">
+          <p15:clr>
+            <a:srgbClr val="A4A3A4"/>
+          </p15:clr>
+        </p15:guide>
+        <p15:guide id="2" pos="2880">
+          <p15:clr>
+            <a:srgbClr val="A4A3A4"/>
+          </p15:clr>
+        </p15:guide>
+      </p15:sldGuideLst>
+    </p:ext>
+  </p:extLst>
 </p:presentation>
 </file>
 
@@ -265,7 +280,7 @@
           <a:p>
             <a:fld id="{B161BBA1-E137-4EBF-BC5B-B0C6ECE5AA0D}" type="datetimeFigureOut">
               <a:rPr lang="en-AU" smtClean="0"/>
-              <a:t>15/04/2014</a:t>
+              <a:t>13/4/17</a:t>
             </a:fld>
             <a:endParaRPr lang="en-AU"/>
           </a:p>
@@ -531,6 +546,106 @@
     </a:lvl9pPr>
   </p:notesStyle>
 </p:notesMaster>
+</file>
+
+<file path=ppt/notesSlides/notesSlide1.xml><?xml version="1.0" encoding="utf-8"?>
+<p:notes xmlns:a="http://schemas.openxmlformats.org/drawingml/2006/main" xmlns:r="http://schemas.openxmlformats.org/officeDocument/2006/relationships" xmlns:p="http://schemas.openxmlformats.org/presentationml/2006/main">
+  <p:cSld>
+    <p:spTree>
+      <p:nvGrpSpPr>
+        <p:cNvPr id="1" name=""/>
+        <p:cNvGrpSpPr/>
+        <p:nvPr/>
+      </p:nvGrpSpPr>
+      <p:grpSpPr>
+        <a:xfrm>
+          <a:off x="0" y="0"/>
+          <a:ext cx="0" cy="0"/>
+          <a:chOff x="0" y="0"/>
+          <a:chExt cx="0" cy="0"/>
+        </a:xfrm>
+      </p:grpSpPr>
+      <p:sp>
+        <p:nvSpPr>
+          <p:cNvPr id="2" name="Slide Image Placeholder 1"/>
+          <p:cNvSpPr>
+            <a:spLocks noGrp="1" noRot="1" noChangeAspect="1"/>
+          </p:cNvSpPr>
+          <p:nvPr>
+            <p:ph type="sldImg"/>
+          </p:nvPr>
+        </p:nvSpPr>
+        <p:spPr/>
+      </p:sp>
+      <p:sp>
+        <p:nvSpPr>
+          <p:cNvPr id="3" name="Notes Placeholder 2"/>
+          <p:cNvSpPr>
+            <a:spLocks noGrp="1"/>
+          </p:cNvSpPr>
+          <p:nvPr>
+            <p:ph type="body" idx="1"/>
+          </p:nvPr>
+        </p:nvSpPr>
+        <p:spPr/>
+        <p:txBody>
+          <a:bodyPr/>
+          <a:lstStyle/>
+          <a:p>
+            <a:r>
+              <a:rPr lang="en-US" dirty="0" err="1" smtClean="0"/>
+              <a:t>chmod</a:t>
+            </a:r>
+            <a:r>
+              <a:rPr lang="en-US" baseline="0" dirty="0" smtClean="0"/>
+              <a:t> </a:t>
+            </a:r>
+            <a:r>
+              <a:rPr lang="en-US" baseline="0" dirty="0" err="1" smtClean="0"/>
+              <a:t>u+x</a:t>
+            </a:r>
+            <a:r>
+              <a:rPr lang="en-US" baseline="0" dirty="0" smtClean="0"/>
+              <a:t> {script}</a:t>
+            </a:r>
+            <a:endParaRPr lang="en-US" dirty="0"/>
+          </a:p>
+        </p:txBody>
+      </p:sp>
+      <p:sp>
+        <p:nvSpPr>
+          <p:cNvPr id="4" name="Slide Number Placeholder 3"/>
+          <p:cNvSpPr>
+            <a:spLocks noGrp="1"/>
+          </p:cNvSpPr>
+          <p:nvPr>
+            <p:ph type="sldNum" sz="quarter" idx="10"/>
+          </p:nvPr>
+        </p:nvSpPr>
+        <p:spPr/>
+        <p:txBody>
+          <a:bodyPr/>
+          <a:lstStyle/>
+          <a:p>
+            <a:fld id="{25826F83-D80C-4437-948E-56917700B540}" type="slidenum">
+              <a:rPr lang="en-AU" smtClean="0"/>
+              <a:t>43</a:t>
+            </a:fld>
+            <a:endParaRPr lang="en-AU"/>
+          </a:p>
+        </p:txBody>
+      </p:sp>
+    </p:spTree>
+    <p:extLst>
+      <p:ext uri="{BB962C8B-B14F-4D97-AF65-F5344CB8AC3E}">
+        <p14:creationId xmlns:p14="http://schemas.microsoft.com/office/powerpoint/2010/main" val="1687009346"/>
+      </p:ext>
+    </p:extLst>
+  </p:cSld>
+  <p:clrMapOvr>
+    <a:masterClrMapping/>
+  </p:clrMapOvr>
+</p:notes>
 </file>
 
 <file path=ppt/slideLayouts/slideLayout1.xml><?xml version="1.0" encoding="utf-8"?>
@@ -3287,10 +3402,13 @@
                 <a:ea typeface="Tahoma" charset="0"/>
                 <a:cs typeface="Tahoma" charset="0"/>
               </a:rPr>
-              <a:t>Introduction to </a:t>
-            </a:r>
-            <a:r>
-              <a:rPr lang="en-US" smtClean="0">
+              <a:t>Introduction to Unix for HPC </a:t>
+            </a:r>
+          </a:p>
+          <a:p>
+            <a:pPr eaLnBrk="1" hangingPunct="1"/>
+            <a:r>
+              <a:rPr lang="en-US" dirty="0" smtClean="0">
                 <a:solidFill>
                   <a:srgbClr val="7F7F7F"/>
                 </a:solidFill>
@@ -3298,7 +3416,7 @@
                 <a:ea typeface="Tahoma" charset="0"/>
                 <a:cs typeface="Tahoma" charset="0"/>
               </a:rPr>
-              <a:t>Unix for HPC </a:t>
+              <a:t>Raijin version</a:t>
             </a:r>
             <a:endParaRPr lang="en-US" dirty="0" smtClean="0">
               <a:solidFill>
@@ -3409,24 +3527,12 @@
           </p:cNvPicPr>
           <p:nvPr/>
         </p:nvPicPr>
-        <mc:AlternateContent xmlns:mc="http://schemas.openxmlformats.org/markup-compatibility/2006">
-          <mc:Choice xmlns:ma="http://schemas.microsoft.com/office/mac/drawingml/2008/main" xmlns:mv="urn:schemas-microsoft-com:mac:vml" xmlns="" Requires="ma">
-            <p:blipFill>
-              <a:blip r:embed="rId2"/>
-              <a:stretch>
-                <a:fillRect/>
-              </a:stretch>
-            </p:blipFill>
-          </mc:Choice>
-          <mc:Fallback>
-            <p:blipFill>
-              <a:blip r:embed="rId3"/>
-              <a:stretch>
-                <a:fillRect/>
-              </a:stretch>
-            </p:blipFill>
-          </mc:Fallback>
-        </mc:AlternateContent>
+        <p:blipFill>
+          <a:blip r:embed="rId2"/>
+          <a:stretch>
+            <a:fillRect/>
+          </a:stretch>
+        </p:blipFill>
         <p:spPr>
           <a:xfrm>
             <a:off x="1447800" y="533400"/>
@@ -3949,14 +4055,7 @@
           <a:p>
             <a:r>
               <a:rPr lang="en-US" dirty="0" smtClean="0"/>
-              <a:t>Unit 2: The Second Date </a:t>
-            </a:r>
-            <a:br>
-              <a:rPr lang="en-US" dirty="0" smtClean="0"/>
-            </a:br>
-            <a:r>
-              <a:rPr lang="en-US" dirty="0" smtClean="0"/>
-              <a:t>(using SCP)</a:t>
+              <a:t>Unit 2: Using SCP</a:t>
             </a:r>
             <a:endParaRPr lang="en-US" dirty="0"/>
           </a:p>
@@ -4176,24 +4275,12 @@
           </p:cNvPicPr>
           <p:nvPr/>
         </p:nvPicPr>
-        <mc:AlternateContent xmlns:mc="http://schemas.openxmlformats.org/markup-compatibility/2006">
-          <mc:Choice xmlns:ma="http://schemas.microsoft.com/office/mac/drawingml/2008/main" xmlns:mv="urn:schemas-microsoft-com:mac:vml" xmlns="" Requires="ma">
-            <p:blipFill>
-              <a:blip r:embed="rId2"/>
-              <a:stretch>
-                <a:fillRect/>
-              </a:stretch>
-            </p:blipFill>
-          </mc:Choice>
-          <mc:Fallback>
-            <p:blipFill>
-              <a:blip r:embed="rId3"/>
-              <a:stretch>
-                <a:fillRect/>
-              </a:stretch>
-            </p:blipFill>
-          </mc:Fallback>
-        </mc:AlternateContent>
+        <p:blipFill>
+          <a:blip r:embed="rId2"/>
+          <a:stretch>
+            <a:fillRect/>
+          </a:stretch>
+        </p:blipFill>
         <p:spPr>
           <a:xfrm>
             <a:off x="7683500" y="2305050"/>
@@ -4332,24 +4419,12 @@
           </p:cNvPicPr>
           <p:nvPr/>
         </p:nvPicPr>
-        <mc:AlternateContent xmlns:mc="http://schemas.openxmlformats.org/markup-compatibility/2006">
-          <mc:Choice xmlns:ma="http://schemas.microsoft.com/office/mac/drawingml/2008/main" xmlns:mv="urn:schemas-microsoft-com:mac:vml" xmlns="" Requires="ma">
-            <p:blipFill>
-              <a:blip r:embed="rId2"/>
-              <a:stretch>
-                <a:fillRect/>
-              </a:stretch>
-            </p:blipFill>
-          </mc:Choice>
-          <mc:Fallback>
-            <p:blipFill>
-              <a:blip r:embed="rId3"/>
-              <a:stretch>
-                <a:fillRect/>
-              </a:stretch>
-            </p:blipFill>
-          </mc:Fallback>
-        </mc:AlternateContent>
+        <p:blipFill>
+          <a:blip r:embed="rId2"/>
+          <a:stretch>
+            <a:fillRect/>
+          </a:stretch>
+        </p:blipFill>
         <p:spPr>
           <a:xfrm>
             <a:off x="3261815" y="1600200"/>
@@ -4759,7 +4834,7 @@
         <p:spPr>
           <a:xfrm>
             <a:off x="152399" y="2831068"/>
-            <a:ext cx="8469783" cy="338554"/>
+            <a:ext cx="7713971" cy="338554"/>
           </a:xfrm>
           <a:prstGeom prst="rect">
             <a:avLst/>
@@ -4865,7 +4940,7 @@
                 <a:latin typeface="Courier New"/>
                 <a:cs typeface="Courier New"/>
               </a:rPr>
-              <a:t>octane.intersect.org.au</a:t>
+              <a:t>raijin.nci.org.au</a:t>
             </a:r>
             <a:r>
               <a:rPr lang="en-US" sz="1600" b="1" dirty="0" smtClean="0">
@@ -4961,7 +5036,7 @@
         <p:spPr>
           <a:xfrm>
             <a:off x="2667000" y="4117033"/>
-            <a:ext cx="3733800" cy="830997"/>
+            <a:ext cx="2913112" cy="830997"/>
           </a:xfrm>
           <a:prstGeom prst="rect">
             <a:avLst/>
@@ -4998,7 +5073,7 @@
         </p:nvSpPr>
         <p:spPr>
           <a:xfrm>
-            <a:off x="6604032" y="4117033"/>
+            <a:off x="5991191" y="4116417"/>
             <a:ext cx="2362200" cy="1569660"/>
           </a:xfrm>
           <a:prstGeom prst="rect">
@@ -5122,7 +5197,7 @@
         </p:nvSpPr>
         <p:spPr>
           <a:xfrm>
-            <a:off x="7543800" y="3352800"/>
+            <a:off x="6930959" y="3352184"/>
             <a:ext cx="457200" cy="764233"/>
           </a:xfrm>
           <a:prstGeom prst="upArrow">
@@ -5657,7 +5732,7 @@
         <p:spPr>
           <a:xfrm>
             <a:off x="604111" y="2983468"/>
-            <a:ext cx="8311289" cy="338554"/>
+            <a:ext cx="7590539" cy="338554"/>
           </a:xfrm>
           <a:prstGeom prst="rect">
             <a:avLst/>
@@ -5726,7 +5801,7 @@
                 <a:latin typeface="Courier New"/>
                 <a:cs typeface="Courier New"/>
               </a:rPr>
-              <a:t>octane.intersect.org.au</a:t>
+              <a:t>raijin.nci.org.au</a:t>
             </a:r>
             <a:r>
               <a:rPr lang="en-US" sz="1600" b="1" dirty="0" smtClean="0">
@@ -5831,7 +5906,7 @@
         </p:nvSpPr>
         <p:spPr>
           <a:xfrm>
-            <a:off x="2895600" y="4343400"/>
+            <a:off x="2743200" y="4419600"/>
             <a:ext cx="2743200" cy="1569660"/>
           </a:xfrm>
           <a:prstGeom prst="rect">
@@ -5869,7 +5944,7 @@
         </p:nvSpPr>
         <p:spPr>
           <a:xfrm>
-            <a:off x="5943600" y="4038600"/>
+            <a:off x="5793160" y="4049180"/>
             <a:ext cx="2362200" cy="2308324"/>
           </a:xfrm>
           <a:prstGeom prst="rect">
@@ -5945,7 +6020,7 @@
         </p:nvSpPr>
         <p:spPr>
           <a:xfrm>
-            <a:off x="5143500" y="3505200"/>
+            <a:off x="4991100" y="3581400"/>
             <a:ext cx="533400" cy="1371600"/>
           </a:xfrm>
           <a:prstGeom prst="upArrow">
@@ -5983,8 +6058,8 @@
         </p:nvSpPr>
         <p:spPr>
           <a:xfrm>
-            <a:off x="7848600" y="3505200"/>
-            <a:ext cx="1090708" cy="914400"/>
+            <a:off x="7772400" y="3332601"/>
+            <a:ext cx="649660" cy="1259995"/>
           </a:xfrm>
           <a:prstGeom prst="bentUpArrow">
             <a:avLst/>
@@ -6088,14 +6163,7 @@
           <a:p>
             <a:r>
               <a:rPr lang="en-US" dirty="0" smtClean="0"/>
-              <a:t>Unit 1: Making a move</a:t>
-            </a:r>
-            <a:br>
-              <a:rPr lang="en-US" dirty="0" smtClean="0"/>
-            </a:br>
-            <a:r>
-              <a:rPr lang="en-US" dirty="0" smtClean="0"/>
-              <a:t>(using FTP)</a:t>
+              <a:t>Unit 1: Using FTP</a:t>
             </a:r>
             <a:endParaRPr lang="en-US" dirty="0"/>
           </a:p>
@@ -6474,14 +6542,7 @@
           <a:p>
             <a:r>
               <a:rPr lang="en-US" dirty="0" smtClean="0"/>
-              <a:t>Unit 3: (W)get it on!</a:t>
-            </a:r>
-            <a:br>
-              <a:rPr lang="en-US" dirty="0" smtClean="0"/>
-            </a:br>
-            <a:r>
-              <a:rPr lang="en-US" dirty="0" smtClean="0"/>
-              <a:t>Using </a:t>
+              <a:t>Unit 3: Using </a:t>
             </a:r>
             <a:r>
               <a:rPr lang="en-US" dirty="0" err="1" smtClean="0"/>
@@ -6643,70 +6704,8 @@
               <a:t>How do we get it on to the HPC machine?</a:t>
             </a:r>
           </a:p>
-          <a:p>
-            <a:r>
-              <a:rPr lang="en-US" dirty="0" smtClean="0"/>
-              <a:t>By way of example, let’s use a dataset about public toilet locations!</a:t>
-            </a:r>
-          </a:p>
-          <a:p>
-            <a:r>
-              <a:rPr lang="en-US" dirty="0" smtClean="0"/>
-              <a:t>It’s available here:</a:t>
-            </a:r>
-          </a:p>
-          <a:p>
-            <a:pPr lvl="1"/>
-            <a:r>
-              <a:rPr lang="en-US" dirty="0" smtClean="0">
-                <a:hlinkClick r:id="rId2"/>
-              </a:rPr>
-              <a:t>http://data.gov.au/dataset/national-public-toilet-map/</a:t>
-            </a:r>
-            <a:r>
-              <a:rPr lang="en-US" dirty="0" smtClean="0"/>
-              <a:t> </a:t>
-            </a:r>
-            <a:endParaRPr lang="en-US" dirty="0"/>
-          </a:p>
-        </p:txBody>
-      </p:sp>
-      <p:pic>
-        <p:nvPicPr>
-          <p:cNvPr id="5" name="Picture 4"/>
-          <p:cNvPicPr>
-            <a:picLocks noChangeAspect="1"/>
-          </p:cNvPicPr>
-          <p:nvPr/>
-        </p:nvPicPr>
-        <mc:AlternateContent xmlns:mc="http://schemas.openxmlformats.org/markup-compatibility/2006">
-          <mc:Choice xmlns:ma="http://schemas.microsoft.com/office/mac/drawingml/2008/main" xmlns:mv="urn:schemas-microsoft-com:mac:vml" xmlns="" Requires="ma">
-            <p:blipFill>
-              <a:blip r:embed="rId3"/>
-              <a:stretch>
-                <a:fillRect/>
-              </a:stretch>
-            </p:blipFill>
-          </mc:Choice>
-          <mc:Fallback>
-            <p:blipFill>
-              <a:blip r:embed="rId4"/>
-              <a:stretch>
-                <a:fillRect/>
-              </a:stretch>
-            </p:blipFill>
-          </mc:Fallback>
-        </mc:AlternateContent>
-        <p:spPr>
-          <a:xfrm>
-            <a:off x="6248400" y="3937000"/>
-            <a:ext cx="1016000" cy="1016000"/>
-          </a:xfrm>
-          <a:prstGeom prst="rect">
-            <a:avLst/>
-          </a:prstGeom>
-        </p:spPr>
-      </p:pic>
+        </p:txBody>
+      </p:sp>
       <p:sp>
         <p:nvSpPr>
           <p:cNvPr id="6" name="Slide Number Placeholder 5"/>
@@ -6822,24 +6821,12 @@
           </p:cNvPicPr>
           <p:nvPr/>
         </p:nvPicPr>
-        <mc:AlternateContent xmlns:mc="http://schemas.openxmlformats.org/markup-compatibility/2006">
-          <mc:Choice xmlns:ma="http://schemas.microsoft.com/office/mac/drawingml/2008/main" xmlns:mv="urn:schemas-microsoft-com:mac:vml" xmlns="" Requires="ma">
-            <p:blipFill>
-              <a:blip r:embed="rId2"/>
-              <a:stretch>
-                <a:fillRect/>
-              </a:stretch>
-            </p:blipFill>
-          </mc:Choice>
-          <mc:Fallback>
-            <p:blipFill>
-              <a:blip r:embed="rId3"/>
-              <a:stretch>
-                <a:fillRect/>
-              </a:stretch>
-            </p:blipFill>
-          </mc:Fallback>
-        </mc:AlternateContent>
+        <p:blipFill>
+          <a:blip r:embed="rId2"/>
+          <a:stretch>
+            <a:fillRect/>
+          </a:stretch>
+        </p:blipFill>
         <p:spPr>
           <a:xfrm>
             <a:off x="228600" y="1219200"/>
@@ -6875,6 +6862,99 @@
               <a:t>23</a:t>
             </a:fld>
             <a:endParaRPr lang="en-AU" dirty="0"/>
+          </a:p>
+        </p:txBody>
+      </p:sp>
+      <p:sp>
+        <p:nvSpPr>
+          <p:cNvPr id="4" name="Rectangle 3"/>
+          <p:cNvSpPr/>
+          <p:nvPr/>
+        </p:nvSpPr>
+        <p:spPr>
+          <a:xfrm>
+            <a:off x="3851920" y="1844824"/>
+            <a:ext cx="576064" cy="923330"/>
+          </a:xfrm>
+          <a:prstGeom prst="rect">
+            <a:avLst/>
+          </a:prstGeom>
+        </p:spPr>
+        <p:style>
+          <a:lnRef idx="2">
+            <a:schemeClr val="dk1">
+              <a:shade val="50000"/>
+            </a:schemeClr>
+          </a:lnRef>
+          <a:fillRef idx="1">
+            <a:schemeClr val="dk1"/>
+          </a:fillRef>
+          <a:effectRef idx="0">
+            <a:schemeClr val="dk1"/>
+          </a:effectRef>
+          <a:fontRef idx="minor">
+            <a:schemeClr val="lt1"/>
+          </a:fontRef>
+        </p:style>
+        <p:txBody>
+          <a:bodyPr rtlCol="0" anchor="ctr"/>
+          <a:lstStyle/>
+          <a:p>
+            <a:pPr algn="ctr"/>
+            <a:endParaRPr lang="en-US"/>
+          </a:p>
+        </p:txBody>
+      </p:sp>
+      <p:sp>
+        <p:nvSpPr>
+          <p:cNvPr id="7" name="TextBox 6"/>
+          <p:cNvSpPr txBox="1"/>
+          <p:nvPr/>
+        </p:nvSpPr>
+        <p:spPr>
+          <a:xfrm>
+            <a:off x="3801814" y="1844824"/>
+            <a:ext cx="698178" cy="923330"/>
+          </a:xfrm>
+          <a:prstGeom prst="rect">
+            <a:avLst/>
+          </a:prstGeom>
+          <a:noFill/>
+        </p:spPr>
+        <p:txBody>
+          <a:bodyPr wrap="none" rtlCol="0">
+            <a:spAutoFit/>
+          </a:bodyPr>
+          <a:lstStyle/>
+          <a:p>
+            <a:r>
+              <a:rPr lang="en-US" b="1" dirty="0" smtClean="0">
+                <a:solidFill>
+                  <a:schemeClr val="bg1"/>
+                </a:solidFill>
+              </a:rPr>
+              <a:t>1010</a:t>
+            </a:r>
+          </a:p>
+          <a:p>
+            <a:r>
+              <a:rPr lang="en-US" b="1" dirty="0" smtClean="0">
+                <a:solidFill>
+                  <a:schemeClr val="bg1"/>
+                </a:solidFill>
+              </a:rPr>
+              <a:t>0111</a:t>
+            </a:r>
+          </a:p>
+          <a:p>
+            <a:r>
+              <a:rPr lang="en-US" b="1" dirty="0" smtClean="0">
+                <a:solidFill>
+                  <a:schemeClr val="bg1"/>
+                </a:solidFill>
+              </a:rPr>
+              <a:t>0111</a:t>
+            </a:r>
           </a:p>
         </p:txBody>
       </p:sp>
@@ -6964,24 +7044,12 @@
           </p:cNvPicPr>
           <p:nvPr/>
         </p:nvPicPr>
-        <mc:AlternateContent xmlns:mc="http://schemas.openxmlformats.org/markup-compatibility/2006">
-          <mc:Choice xmlns:ma="http://schemas.microsoft.com/office/mac/drawingml/2008/main" xmlns:mv="urn:schemas-microsoft-com:mac:vml" xmlns="" Requires="ma">
-            <p:blipFill>
-              <a:blip r:embed="rId2"/>
-              <a:stretch>
-                <a:fillRect/>
-              </a:stretch>
-            </p:blipFill>
-          </mc:Choice>
-          <mc:Fallback>
-            <p:blipFill>
-              <a:blip r:embed="rId3"/>
-              <a:stretch>
-                <a:fillRect/>
-              </a:stretch>
-            </p:blipFill>
-          </mc:Fallback>
-        </mc:AlternateContent>
+        <p:blipFill>
+          <a:blip r:embed="rId2"/>
+          <a:stretch>
+            <a:fillRect/>
+          </a:stretch>
+        </p:blipFill>
         <p:spPr>
           <a:xfrm>
             <a:off x="1143000" y="1295400"/>
@@ -7017,6 +7085,102 @@
               <a:t>24</a:t>
             </a:fld>
             <a:endParaRPr lang="en-AU" dirty="0"/>
+          </a:p>
+        </p:txBody>
+      </p:sp>
+      <p:sp>
+        <p:nvSpPr>
+          <p:cNvPr id="7" name="Rectangle 6"/>
+          <p:cNvSpPr/>
+          <p:nvPr/>
+        </p:nvSpPr>
+        <p:spPr>
+          <a:xfrm>
+            <a:off x="5508104" y="2361654"/>
+            <a:ext cx="864096" cy="923330"/>
+          </a:xfrm>
+          <a:prstGeom prst="rect">
+            <a:avLst/>
+          </a:prstGeom>
+        </p:spPr>
+        <p:style>
+          <a:lnRef idx="2">
+            <a:schemeClr val="dk1">
+              <a:shade val="50000"/>
+            </a:schemeClr>
+          </a:lnRef>
+          <a:fillRef idx="1">
+            <a:schemeClr val="dk1"/>
+          </a:fillRef>
+          <a:effectRef idx="0">
+            <a:schemeClr val="dk1"/>
+          </a:effectRef>
+          <a:fontRef idx="minor">
+            <a:schemeClr val="lt1"/>
+          </a:fontRef>
+        </p:style>
+        <p:txBody>
+          <a:bodyPr rtlCol="0" anchor="ctr"/>
+          <a:lstStyle/>
+          <a:p>
+            <a:pPr algn="ctr"/>
+            <a:endParaRPr lang="en-US"/>
+          </a:p>
+        </p:txBody>
+      </p:sp>
+      <p:sp>
+        <p:nvSpPr>
+          <p:cNvPr id="8" name="TextBox 7"/>
+          <p:cNvSpPr txBox="1"/>
+          <p:nvPr/>
+        </p:nvSpPr>
+        <p:spPr>
+          <a:xfrm>
+            <a:off x="5508104" y="2361654"/>
+            <a:ext cx="864096" cy="923330"/>
+          </a:xfrm>
+          <a:prstGeom prst="rect">
+            <a:avLst/>
+          </a:prstGeom>
+          <a:noFill/>
+        </p:spPr>
+        <p:txBody>
+          <a:bodyPr wrap="square" rtlCol="0">
+            <a:spAutoFit/>
+          </a:bodyPr>
+          <a:lstStyle/>
+          <a:p>
+            <a:pPr algn="ctr"/>
+            <a:r>
+              <a:rPr lang="en-US" b="1" dirty="0" smtClean="0">
+                <a:solidFill>
+                  <a:schemeClr val="bg1"/>
+                </a:solidFill>
+              </a:rPr>
+              <a:t>1010</a:t>
+            </a:r>
+          </a:p>
+          <a:p>
+            <a:pPr algn="ctr"/>
+            <a:r>
+              <a:rPr lang="en-US" b="1" dirty="0" smtClean="0">
+                <a:solidFill>
+                  <a:schemeClr val="bg1"/>
+                </a:solidFill>
+              </a:rPr>
+              <a:t>0111</a:t>
+            </a:r>
+          </a:p>
+          <a:p>
+            <a:pPr algn="ctr"/>
+            <a:r>
+              <a:rPr lang="en-US" b="1" dirty="0" smtClean="0">
+                <a:solidFill>
+                  <a:schemeClr val="bg1"/>
+                </a:solidFill>
+              </a:rPr>
+              <a:t>0111</a:t>
+            </a:r>
           </a:p>
         </p:txBody>
       </p:sp>
@@ -7138,55 +7302,6 @@
               </a:rPr>
               <a:t>&gt;</a:t>
             </a:r>
-          </a:p>
-          <a:p>
-            <a:r>
-              <a:rPr lang="en-US" dirty="0" smtClean="0"/>
-              <a:t>For example:</a:t>
-            </a:r>
-          </a:p>
-          <a:p>
-            <a:pPr lvl="1">
-              <a:buNone/>
-            </a:pPr>
-            <a:r>
-              <a:rPr lang="en-US" sz="2000" b="1" dirty="0" err="1" smtClean="0">
-                <a:solidFill>
-                  <a:srgbClr val="000000"/>
-                </a:solidFill>
-                <a:latin typeface="Courier New"/>
-                <a:cs typeface="Courier New"/>
-              </a:rPr>
-              <a:t>wget</a:t>
-            </a:r>
-            <a:r>
-              <a:rPr lang="en-US" sz="2000" b="1" dirty="0" smtClean="0">
-                <a:solidFill>
-                  <a:srgbClr val="000000"/>
-                </a:solidFill>
-                <a:latin typeface="Courier New"/>
-                <a:cs typeface="Courier New"/>
-              </a:rPr>
-              <a:t> </a:t>
-            </a:r>
-            <a:r>
-              <a:rPr lang="en-US" sz="2000" b="1" dirty="0" smtClean="0">
-                <a:solidFill>
-                  <a:srgbClr val="000000"/>
-                </a:solidFill>
-                <a:latin typeface="Courier New"/>
-                <a:cs typeface="Courier New"/>
-                <a:hlinkClick r:id="rId2"/>
-              </a:rPr>
-              <a:t>http://raw.data.gov.au/610/Toiletmap.zip</a:t>
-            </a:r>
-            <a:endParaRPr lang="en-US" sz="2000" b="1" dirty="0" smtClean="0">
-              <a:solidFill>
-                <a:srgbClr val="000000"/>
-              </a:solidFill>
-              <a:latin typeface="Courier New"/>
-              <a:cs typeface="Courier New"/>
-            </a:endParaRPr>
           </a:p>
           <a:p>
             <a:r>
@@ -8943,21 +9058,7 @@
           <a:p>
             <a:r>
               <a:rPr lang="en-US" dirty="0" smtClean="0"/>
-              <a:t>Unit 4: Things need to change,</a:t>
-            </a:r>
-            <a:br>
-              <a:rPr lang="en-US" dirty="0" smtClean="0"/>
-            </a:br>
-            <a:r>
-              <a:rPr lang="en-US" dirty="0" smtClean="0"/>
-              <a:t>and quick!</a:t>
-            </a:r>
-            <a:br>
-              <a:rPr lang="en-US" dirty="0" smtClean="0"/>
-            </a:br>
-            <a:r>
-              <a:rPr lang="en-US" dirty="0" smtClean="0"/>
-              <a:t>(Editing files in place)</a:t>
+              <a:t>Unit 4: Editing files in place</a:t>
             </a:r>
             <a:endParaRPr lang="en-US" dirty="0"/>
           </a:p>
@@ -9086,24 +9187,12 @@
           </p:cNvPicPr>
           <p:nvPr/>
         </p:nvPicPr>
-        <mc:AlternateContent xmlns:mc="http://schemas.openxmlformats.org/markup-compatibility/2006">
-          <mc:Choice xmlns:ma="http://schemas.microsoft.com/office/mac/drawingml/2008/main" xmlns:mv="urn:schemas-microsoft-com:mac:vml" xmlns="" Requires="ma">
-            <p:blipFill>
-              <a:blip r:embed="rId2"/>
-              <a:stretch>
-                <a:fillRect/>
-              </a:stretch>
-            </p:blipFill>
-          </mc:Choice>
-          <mc:Fallback>
-            <p:blipFill>
-              <a:blip r:embed="rId3"/>
-              <a:stretch>
-                <a:fillRect/>
-              </a:stretch>
-            </p:blipFill>
-          </mc:Fallback>
-        </mc:AlternateContent>
+        <p:blipFill>
+          <a:blip r:embed="rId2"/>
+          <a:stretch>
+            <a:fillRect/>
+          </a:stretch>
+        </p:blipFill>
         <p:spPr>
           <a:xfrm>
             <a:off x="4495800" y="274638"/>
@@ -10605,24 +10694,12 @@
           </p:cNvPicPr>
           <p:nvPr/>
         </p:nvPicPr>
-        <mc:AlternateContent xmlns:mc="http://schemas.openxmlformats.org/markup-compatibility/2006">
-          <mc:Choice xmlns:ma="http://schemas.microsoft.com/office/mac/drawingml/2008/main" xmlns:mv="urn:schemas-microsoft-com:mac:vml" xmlns="" Requires="ma">
-            <p:blipFill>
-              <a:blip r:embed="rId2"/>
-              <a:stretch>
-                <a:fillRect/>
-              </a:stretch>
-            </p:blipFill>
-          </mc:Choice>
-          <mc:Fallback>
-            <p:blipFill>
-              <a:blip r:embed="rId3"/>
-              <a:stretch>
-                <a:fillRect/>
-              </a:stretch>
-            </p:blipFill>
-          </mc:Fallback>
-        </mc:AlternateContent>
+        <p:blipFill>
+          <a:blip r:embed="rId2"/>
+          <a:stretch>
+            <a:fillRect/>
+          </a:stretch>
+        </p:blipFill>
         <p:spPr>
           <a:xfrm>
             <a:off x="5029200" y="609600"/>
@@ -10708,14 +10785,7 @@
           <a:p>
             <a:r>
               <a:rPr lang="en-US" dirty="0" smtClean="0"/>
-              <a:t>Unit 5: What’s mine is yours</a:t>
-            </a:r>
-            <a:br>
-              <a:rPr lang="en-US" dirty="0" smtClean="0"/>
-            </a:br>
-            <a:r>
-              <a:rPr lang="en-US" dirty="0" smtClean="0"/>
-              <a:t>(Permissions and Ownership)</a:t>
+              <a:t>Unit 5: Permissions and Ownership</a:t>
             </a:r>
             <a:endParaRPr lang="en-US" dirty="0"/>
           </a:p>
@@ -10972,24 +11042,12 @@
           </p:cNvPicPr>
           <p:nvPr/>
         </p:nvPicPr>
-        <mc:AlternateContent xmlns:mc="http://schemas.openxmlformats.org/markup-compatibility/2006">
-          <mc:Choice xmlns:ma="http://schemas.microsoft.com/office/mac/drawingml/2008/main" xmlns:mv="urn:schemas-microsoft-com:mac:vml" xmlns="" Requires="ma">
-            <p:blipFill>
-              <a:blip r:embed="rId2"/>
-              <a:stretch>
-                <a:fillRect/>
-              </a:stretch>
-            </p:blipFill>
-          </mc:Choice>
-          <mc:Fallback>
-            <p:blipFill>
-              <a:blip r:embed="rId3"/>
-              <a:stretch>
-                <a:fillRect/>
-              </a:stretch>
-            </p:blipFill>
-          </mc:Fallback>
-        </mc:AlternateContent>
+        <p:blipFill>
+          <a:blip r:embed="rId2"/>
+          <a:stretch>
+            <a:fillRect/>
+          </a:stretch>
+        </p:blipFill>
         <p:spPr>
           <a:xfrm>
             <a:off x="533400" y="4648200"/>
@@ -11084,24 +11142,12 @@
           </p:cNvPicPr>
           <p:nvPr/>
         </p:nvPicPr>
-        <mc:AlternateContent xmlns:mc="http://schemas.openxmlformats.org/markup-compatibility/2006">
-          <mc:Choice xmlns:ma="http://schemas.microsoft.com/office/mac/drawingml/2008/main" xmlns:mv="urn:schemas-microsoft-com:mac:vml" xmlns="" Requires="ma">
-            <p:blipFill>
-              <a:blip r:embed="rId2"/>
-              <a:stretch>
-                <a:fillRect/>
-              </a:stretch>
-            </p:blipFill>
-          </mc:Choice>
-          <mc:Fallback>
-            <p:blipFill>
-              <a:blip r:embed="rId3"/>
-              <a:stretch>
-                <a:fillRect/>
-              </a:stretch>
-            </p:blipFill>
-          </mc:Fallback>
-        </mc:AlternateContent>
+        <p:blipFill>
+          <a:blip r:embed="rId2"/>
+          <a:stretch>
+            <a:fillRect/>
+          </a:stretch>
+        </p:blipFill>
         <p:spPr>
           <a:xfrm>
             <a:off x="685800" y="1593849"/>
@@ -11196,24 +11242,12 @@
           </p:cNvPicPr>
           <p:nvPr/>
         </p:nvPicPr>
-        <mc:AlternateContent xmlns:mc="http://schemas.openxmlformats.org/markup-compatibility/2006">
-          <mc:Choice xmlns:ma="http://schemas.microsoft.com/office/mac/drawingml/2008/main" xmlns:mv="urn:schemas-microsoft-com:mac:vml" xmlns="" Requires="ma">
-            <p:blipFill>
-              <a:blip r:embed="rId2"/>
-              <a:stretch>
-                <a:fillRect/>
-              </a:stretch>
-            </p:blipFill>
-          </mc:Choice>
-          <mc:Fallback>
-            <p:blipFill>
-              <a:blip r:embed="rId3"/>
-              <a:stretch>
-                <a:fillRect/>
-              </a:stretch>
-            </p:blipFill>
-          </mc:Fallback>
-        </mc:AlternateContent>
+        <p:blipFill>
+          <a:blip r:embed="rId2"/>
+          <a:stretch>
+            <a:fillRect/>
+          </a:stretch>
+        </p:blipFill>
         <p:spPr>
           <a:xfrm>
             <a:off x="457200" y="1905000"/>
@@ -11326,24 +11360,12 @@
           </p:cNvPicPr>
           <p:nvPr/>
         </p:nvPicPr>
-        <mc:AlternateContent xmlns:mc="http://schemas.openxmlformats.org/markup-compatibility/2006">
-          <mc:Choice xmlns:ma="http://schemas.microsoft.com/office/mac/drawingml/2008/main" xmlns:mv="urn:schemas-microsoft-com:mac:vml" xmlns="" Requires="ma">
-            <p:blipFill>
-              <a:blip r:embed="rId4"/>
-              <a:stretch>
-                <a:fillRect/>
-              </a:stretch>
-            </p:blipFill>
-          </mc:Choice>
-          <mc:Fallback>
-            <p:blipFill>
-              <a:blip r:embed="rId5"/>
-              <a:stretch>
-                <a:fillRect/>
-              </a:stretch>
-            </p:blipFill>
-          </mc:Fallback>
-        </mc:AlternateContent>
+        <p:blipFill>
+          <a:blip r:embed="rId3"/>
+          <a:stretch>
+            <a:fillRect/>
+          </a:stretch>
+        </p:blipFill>
         <p:spPr>
           <a:xfrm>
             <a:off x="801469" y="5486400"/>
@@ -11892,24 +11914,12 @@
           </p:cNvPicPr>
           <p:nvPr/>
         </p:nvPicPr>
-        <mc:AlternateContent xmlns:mc="http://schemas.openxmlformats.org/markup-compatibility/2006">
-          <mc:Choice xmlns:ma="http://schemas.microsoft.com/office/mac/drawingml/2008/main" xmlns:mv="urn:schemas-microsoft-com:mac:vml" xmlns="" Requires="ma">
-            <p:blipFill>
-              <a:blip r:embed="rId2"/>
-              <a:stretch>
-                <a:fillRect/>
-              </a:stretch>
-            </p:blipFill>
-          </mc:Choice>
-          <mc:Fallback>
-            <p:blipFill>
-              <a:blip r:embed="rId3"/>
-              <a:stretch>
-                <a:fillRect/>
-              </a:stretch>
-            </p:blipFill>
-          </mc:Fallback>
-        </mc:AlternateContent>
+        <p:blipFill>
+          <a:blip r:embed="rId2"/>
+          <a:stretch>
+            <a:fillRect/>
+          </a:stretch>
+        </p:blipFill>
         <p:spPr>
           <a:xfrm>
             <a:off x="588789" y="3064319"/>
@@ -11991,225 +12001,6 @@
 </file>
 
 <file path=ppt/slides/slide40.xml><?xml version="1.0" encoding="utf-8"?>
-<p:sld xmlns:a="http://schemas.openxmlformats.org/drawingml/2006/main" xmlns:r="http://schemas.openxmlformats.org/officeDocument/2006/relationships" xmlns:p="http://schemas.openxmlformats.org/presentationml/2006/main">
-  <p:cSld>
-    <p:spTree>
-      <p:nvGrpSpPr>
-        <p:cNvPr id="1" name=""/>
-        <p:cNvGrpSpPr/>
-        <p:nvPr/>
-      </p:nvGrpSpPr>
-      <p:grpSpPr>
-        <a:xfrm>
-          <a:off x="0" y="0"/>
-          <a:ext cx="0" cy="0"/>
-          <a:chOff x="0" y="0"/>
-          <a:chExt cx="0" cy="0"/>
-        </a:xfrm>
-      </p:grpSpPr>
-      <p:sp>
-        <p:nvSpPr>
-          <p:cNvPr id="2" name="Title 1"/>
-          <p:cNvSpPr>
-            <a:spLocks noGrp="1"/>
-          </p:cNvSpPr>
-          <p:nvPr>
-            <p:ph type="title"/>
-          </p:nvPr>
-        </p:nvSpPr>
-        <p:spPr/>
-        <p:txBody>
-          <a:bodyPr/>
-          <a:lstStyle/>
-          <a:p>
-            <a:r>
-              <a:rPr lang="en-US" dirty="0" smtClean="0"/>
-              <a:t>Chmod &lt;</a:t>
-            </a:r>
-            <a:r>
-              <a:rPr lang="en-US" dirty="0" err="1" smtClean="0"/>
-              <a:t>new_mode</a:t>
-            </a:r>
-            <a:r>
-              <a:rPr lang="en-US" dirty="0" smtClean="0"/>
-              <a:t>&gt; format:</a:t>
-            </a:r>
-            <a:endParaRPr lang="en-US" dirty="0"/>
-          </a:p>
-        </p:txBody>
-      </p:sp>
-      <p:sp>
-        <p:nvSpPr>
-          <p:cNvPr id="3" name="Content Placeholder 2"/>
-          <p:cNvSpPr>
-            <a:spLocks noGrp="1"/>
-          </p:cNvSpPr>
-          <p:nvPr>
-            <p:ph idx="1"/>
-          </p:nvPr>
-        </p:nvSpPr>
-        <p:spPr>
-          <a:xfrm>
-            <a:off x="457200" y="1600201"/>
-            <a:ext cx="8229600" cy="838200"/>
-          </a:xfrm>
-        </p:spPr>
-        <p:txBody>
-          <a:bodyPr/>
-          <a:lstStyle/>
-          <a:p>
-            <a:pPr marL="342900" lvl="1" indent="-342900">
-              <a:buNone/>
-            </a:pPr>
-            <a:r>
-              <a:rPr lang="en-US" sz="3200" b="1" dirty="0" smtClean="0">
-                <a:latin typeface="Courier New"/>
-                <a:cs typeface="Courier New"/>
-              </a:rPr>
-              <a:t>chmod </a:t>
-            </a:r>
-            <a:r>
-              <a:rPr lang="en-US" sz="3200" b="1" i="1" dirty="0" smtClean="0">
-                <a:solidFill>
-                  <a:srgbClr val="FF0000"/>
-                </a:solidFill>
-                <a:latin typeface="Courier New"/>
-                <a:cs typeface="Courier New"/>
-              </a:rPr>
-              <a:t>&lt;</a:t>
-            </a:r>
-            <a:r>
-              <a:rPr lang="en-US" sz="3200" b="1" i="1" dirty="0" err="1" smtClean="0">
-                <a:solidFill>
-                  <a:srgbClr val="FF0000"/>
-                </a:solidFill>
-                <a:latin typeface="Courier New"/>
-                <a:cs typeface="Courier New"/>
-              </a:rPr>
-              <a:t>new_mode</a:t>
-            </a:r>
-            <a:r>
-              <a:rPr lang="en-US" sz="3200" b="1" i="1" dirty="0" smtClean="0">
-                <a:solidFill>
-                  <a:srgbClr val="FF0000"/>
-                </a:solidFill>
-                <a:latin typeface="Courier New"/>
-                <a:cs typeface="Courier New"/>
-              </a:rPr>
-              <a:t>&gt; </a:t>
-            </a:r>
-            <a:r>
-              <a:rPr lang="en-US" sz="3200" b="1" i="1" dirty="0" smtClean="0">
-                <a:solidFill>
-                  <a:srgbClr val="008000"/>
-                </a:solidFill>
-                <a:latin typeface="Courier New"/>
-                <a:cs typeface="Courier New"/>
-              </a:rPr>
-              <a:t>&lt;</a:t>
-            </a:r>
-            <a:r>
-              <a:rPr lang="en-US" sz="3200" b="1" i="1" dirty="0" err="1" smtClean="0">
-                <a:solidFill>
-                  <a:srgbClr val="008000"/>
-                </a:solidFill>
-                <a:latin typeface="Courier New"/>
-                <a:cs typeface="Courier New"/>
-              </a:rPr>
-              <a:t>file_name</a:t>
-            </a:r>
-            <a:r>
-              <a:rPr lang="en-US" sz="3200" b="1" i="1" dirty="0" smtClean="0">
-                <a:solidFill>
-                  <a:srgbClr val="008000"/>
-                </a:solidFill>
-                <a:latin typeface="Courier New"/>
-                <a:cs typeface="Courier New"/>
-              </a:rPr>
-              <a:t>&gt;</a:t>
-            </a:r>
-          </a:p>
-          <a:p>
-            <a:pPr>
-              <a:buNone/>
-            </a:pPr>
-            <a:endParaRPr lang="en-US" dirty="0"/>
-          </a:p>
-        </p:txBody>
-      </p:sp>
-      <p:pic>
-        <p:nvPicPr>
-          <p:cNvPr id="6" name="Picture 5"/>
-          <p:cNvPicPr>
-            <a:picLocks noChangeAspect="1"/>
-          </p:cNvPicPr>
-          <p:nvPr/>
-        </p:nvPicPr>
-        <mc:AlternateContent xmlns:mc="http://schemas.openxmlformats.org/markup-compatibility/2006">
-          <mc:Choice xmlns:ma="http://schemas.microsoft.com/office/mac/drawingml/2008/main" xmlns:mv="urn:schemas-microsoft-com:mac:vml" xmlns="" Requires="ma">
-            <p:blipFill>
-              <a:blip r:embed="rId2"/>
-              <a:stretch>
-                <a:fillRect/>
-              </a:stretch>
-            </p:blipFill>
-          </mc:Choice>
-          <mc:Fallback>
-            <p:blipFill>
-              <a:blip r:embed="rId3"/>
-              <a:stretch>
-                <a:fillRect/>
-              </a:stretch>
-            </p:blipFill>
-          </mc:Fallback>
-        </mc:AlternateContent>
-        <p:spPr>
-          <a:xfrm>
-            <a:off x="114908" y="2438400"/>
-            <a:ext cx="8571892" cy="2895599"/>
-          </a:xfrm>
-          <a:prstGeom prst="rect">
-            <a:avLst/>
-          </a:prstGeom>
-        </p:spPr>
-      </p:pic>
-      <p:sp>
-        <p:nvSpPr>
-          <p:cNvPr id="5" name="Slide Number Placeholder 4"/>
-          <p:cNvSpPr>
-            <a:spLocks noGrp="1"/>
-          </p:cNvSpPr>
-          <p:nvPr>
-            <p:ph type="sldNum" sz="quarter" idx="11"/>
-          </p:nvPr>
-        </p:nvSpPr>
-        <p:spPr/>
-        <p:txBody>
-          <a:bodyPr/>
-          <a:lstStyle/>
-          <a:p>
-            <a:r>
-              <a:rPr lang="en-AU" smtClean="0"/>
-              <a:t>Slide </a:t>
-            </a:r>
-            <a:fld id="{ABB8CB96-3755-4515-8FB1-5DF3F1F0087E}" type="slidenum">
-              <a:rPr lang="en-AU" smtClean="0"/>
-              <a:pPr/>
-              <a:t>40</a:t>
-            </a:fld>
-            <a:endParaRPr lang="en-AU" dirty="0"/>
-          </a:p>
-        </p:txBody>
-      </p:sp>
-    </p:spTree>
-  </p:cSld>
-  <p:clrMapOvr>
-    <a:masterClrMapping/>
-  </p:clrMapOvr>
-</p:sld>
-</file>
-
-<file path=ppt/slides/slide41.xml><?xml version="1.0" encoding="utf-8"?>
 <p:sld xmlns:a="http://schemas.openxmlformats.org/drawingml/2006/main" xmlns:r="http://schemas.openxmlformats.org/officeDocument/2006/relationships" xmlns:p="http://schemas.openxmlformats.org/presentationml/2006/main">
   <p:cSld>
     <p:spTree>
@@ -12801,7 +12592,7 @@
             <a:fld id="{ABB8CB96-3755-4515-8FB1-5DF3F1F0087E}" type="slidenum">
               <a:rPr lang="en-AU" smtClean="0"/>
               <a:pPr/>
-              <a:t>41</a:t>
+              <a:t>40</a:t>
             </a:fld>
             <a:endParaRPr lang="en-AU" dirty="0"/>
           </a:p>
@@ -12815,7 +12606,7 @@
 </p:sld>
 </file>
 
-<file path=ppt/slides/slide42.xml><?xml version="1.0" encoding="utf-8"?>
+<file path=ppt/slides/slide41.xml><?xml version="1.0" encoding="utf-8"?>
 <p:sld xmlns:a="http://schemas.openxmlformats.org/drawingml/2006/main" xmlns:r="http://schemas.openxmlformats.org/officeDocument/2006/relationships" xmlns:p="http://schemas.openxmlformats.org/presentationml/2006/main">
   <p:cSld>
     <p:spTree>
@@ -13125,6 +12916,213 @@
             <a:fld id="{ABB8CB96-3755-4515-8FB1-5DF3F1F0087E}" type="slidenum">
               <a:rPr lang="en-AU" smtClean="0"/>
               <a:pPr/>
+              <a:t>41</a:t>
+            </a:fld>
+            <a:endParaRPr lang="en-AU" dirty="0"/>
+          </a:p>
+        </p:txBody>
+      </p:sp>
+    </p:spTree>
+  </p:cSld>
+  <p:clrMapOvr>
+    <a:masterClrMapping/>
+  </p:clrMapOvr>
+</p:sld>
+</file>
+
+<file path=ppt/slides/slide42.xml><?xml version="1.0" encoding="utf-8"?>
+<p:sld xmlns:a="http://schemas.openxmlformats.org/drawingml/2006/main" xmlns:r="http://schemas.openxmlformats.org/officeDocument/2006/relationships" xmlns:p="http://schemas.openxmlformats.org/presentationml/2006/main">
+  <p:cSld>
+    <p:spTree>
+      <p:nvGrpSpPr>
+        <p:cNvPr id="1" name=""/>
+        <p:cNvGrpSpPr/>
+        <p:nvPr/>
+      </p:nvGrpSpPr>
+      <p:grpSpPr>
+        <a:xfrm>
+          <a:off x="0" y="0"/>
+          <a:ext cx="0" cy="0"/>
+          <a:chOff x="0" y="0"/>
+          <a:chExt cx="0" cy="0"/>
+        </a:xfrm>
+      </p:grpSpPr>
+      <p:sp>
+        <p:nvSpPr>
+          <p:cNvPr id="2" name="Title 1"/>
+          <p:cNvSpPr>
+            <a:spLocks noGrp="1"/>
+          </p:cNvSpPr>
+          <p:nvPr>
+            <p:ph type="title"/>
+          </p:nvPr>
+        </p:nvSpPr>
+        <p:spPr/>
+        <p:txBody>
+          <a:bodyPr/>
+          <a:lstStyle/>
+          <a:p>
+            <a:r>
+              <a:rPr lang="en-US" dirty="0" smtClean="0"/>
+              <a:t>Chmod &lt;</a:t>
+            </a:r>
+            <a:r>
+              <a:rPr lang="en-US" dirty="0" err="1" smtClean="0"/>
+              <a:t>new_mode</a:t>
+            </a:r>
+            <a:r>
+              <a:rPr lang="en-US" dirty="0" smtClean="0"/>
+              <a:t>&gt; format:</a:t>
+            </a:r>
+            <a:endParaRPr lang="en-US" dirty="0"/>
+          </a:p>
+        </p:txBody>
+      </p:sp>
+      <p:sp>
+        <p:nvSpPr>
+          <p:cNvPr id="3" name="Content Placeholder 2"/>
+          <p:cNvSpPr>
+            <a:spLocks noGrp="1"/>
+          </p:cNvSpPr>
+          <p:nvPr>
+            <p:ph idx="1"/>
+          </p:nvPr>
+        </p:nvSpPr>
+        <p:spPr>
+          <a:xfrm>
+            <a:off x="457200" y="1600201"/>
+            <a:ext cx="8229600" cy="838200"/>
+          </a:xfrm>
+        </p:spPr>
+        <p:txBody>
+          <a:bodyPr/>
+          <a:lstStyle/>
+          <a:p>
+            <a:pPr marL="342900" lvl="1" indent="-342900">
+              <a:buNone/>
+            </a:pPr>
+            <a:r>
+              <a:rPr lang="en-US" sz="3200" b="1" dirty="0" smtClean="0">
+                <a:latin typeface="Courier New"/>
+                <a:cs typeface="Courier New"/>
+              </a:rPr>
+              <a:t>chmod </a:t>
+            </a:r>
+            <a:r>
+              <a:rPr lang="en-US" sz="3200" b="1" i="1" dirty="0" smtClean="0">
+                <a:solidFill>
+                  <a:srgbClr val="FF0000"/>
+                </a:solidFill>
+                <a:latin typeface="Courier New"/>
+                <a:cs typeface="Courier New"/>
+              </a:rPr>
+              <a:t>&lt;</a:t>
+            </a:r>
+            <a:r>
+              <a:rPr lang="en-US" sz="3200" b="1" i="1" dirty="0" err="1" smtClean="0">
+                <a:solidFill>
+                  <a:srgbClr val="FF0000"/>
+                </a:solidFill>
+                <a:latin typeface="Courier New"/>
+                <a:cs typeface="Courier New"/>
+              </a:rPr>
+              <a:t>new_mode</a:t>
+            </a:r>
+            <a:r>
+              <a:rPr lang="en-US" sz="3200" b="1" i="1" dirty="0" smtClean="0">
+                <a:solidFill>
+                  <a:srgbClr val="FF0000"/>
+                </a:solidFill>
+                <a:latin typeface="Courier New"/>
+                <a:cs typeface="Courier New"/>
+              </a:rPr>
+              <a:t>&gt; </a:t>
+            </a:r>
+            <a:r>
+              <a:rPr lang="en-US" sz="3200" b="1" i="1" dirty="0" smtClean="0">
+                <a:solidFill>
+                  <a:srgbClr val="008000"/>
+                </a:solidFill>
+                <a:latin typeface="Courier New"/>
+                <a:cs typeface="Courier New"/>
+              </a:rPr>
+              <a:t>&lt;</a:t>
+            </a:r>
+            <a:r>
+              <a:rPr lang="en-US" sz="3200" b="1" i="1" dirty="0" err="1" smtClean="0">
+                <a:solidFill>
+                  <a:srgbClr val="008000"/>
+                </a:solidFill>
+                <a:latin typeface="Courier New"/>
+                <a:cs typeface="Courier New"/>
+              </a:rPr>
+              <a:t>file_name</a:t>
+            </a:r>
+            <a:r>
+              <a:rPr lang="en-US" sz="3200" b="1" i="1" dirty="0" smtClean="0">
+                <a:solidFill>
+                  <a:srgbClr val="008000"/>
+                </a:solidFill>
+                <a:latin typeface="Courier New"/>
+                <a:cs typeface="Courier New"/>
+              </a:rPr>
+              <a:t>&gt;</a:t>
+            </a:r>
+          </a:p>
+          <a:p>
+            <a:pPr>
+              <a:buNone/>
+            </a:pPr>
+            <a:endParaRPr lang="en-US" dirty="0"/>
+          </a:p>
+        </p:txBody>
+      </p:sp>
+      <p:pic>
+        <p:nvPicPr>
+          <p:cNvPr id="6" name="Picture 5"/>
+          <p:cNvPicPr>
+            <a:picLocks noChangeAspect="1"/>
+          </p:cNvPicPr>
+          <p:nvPr/>
+        </p:nvPicPr>
+        <p:blipFill>
+          <a:blip r:embed="rId2"/>
+          <a:stretch>
+            <a:fillRect/>
+          </a:stretch>
+        </p:blipFill>
+        <p:spPr>
+          <a:xfrm>
+            <a:off x="114908" y="2438400"/>
+            <a:ext cx="8571892" cy="2895599"/>
+          </a:xfrm>
+          <a:prstGeom prst="rect">
+            <a:avLst/>
+          </a:prstGeom>
+        </p:spPr>
+      </p:pic>
+      <p:sp>
+        <p:nvSpPr>
+          <p:cNvPr id="5" name="Slide Number Placeholder 4"/>
+          <p:cNvSpPr>
+            <a:spLocks noGrp="1"/>
+          </p:cNvSpPr>
+          <p:nvPr>
+            <p:ph type="sldNum" sz="quarter" idx="11"/>
+          </p:nvPr>
+        </p:nvSpPr>
+        <p:spPr/>
+        <p:txBody>
+          <a:bodyPr/>
+          <a:lstStyle/>
+          <a:p>
+            <a:r>
+              <a:rPr lang="en-AU" smtClean="0"/>
+              <a:t>Slide </a:t>
+            </a:r>
+            <a:fld id="{ABB8CB96-3755-4515-8FB1-5DF3F1F0087E}" type="slidenum">
+              <a:rPr lang="en-AU" smtClean="0"/>
+              <a:pPr/>
               <a:t>42</a:t>
             </a:fld>
             <a:endParaRPr lang="en-AU" dirty="0"/>
@@ -13235,227 +13233,6 @@
 </p:sld>
 </file>
 
-<file path=ppt/slides/slide44.xml><?xml version="1.0" encoding="utf-8"?>
-<p:sld xmlns:a="http://schemas.openxmlformats.org/drawingml/2006/main" xmlns:r="http://schemas.openxmlformats.org/officeDocument/2006/relationships" xmlns:p="http://schemas.openxmlformats.org/presentationml/2006/main">
-  <p:cSld>
-    <p:spTree>
-      <p:nvGrpSpPr>
-        <p:cNvPr id="1" name=""/>
-        <p:cNvGrpSpPr/>
-        <p:nvPr/>
-      </p:nvGrpSpPr>
-      <p:grpSpPr>
-        <a:xfrm>
-          <a:off x="0" y="0"/>
-          <a:ext cx="0" cy="0"/>
-          <a:chOff x="0" y="0"/>
-          <a:chExt cx="0" cy="0"/>
-        </a:xfrm>
-      </p:grpSpPr>
-      <p:sp>
-        <p:nvSpPr>
-          <p:cNvPr id="2" name="Title 1"/>
-          <p:cNvSpPr>
-            <a:spLocks noGrp="1"/>
-          </p:cNvSpPr>
-          <p:nvPr>
-            <p:ph type="title"/>
-          </p:nvPr>
-        </p:nvSpPr>
-        <p:spPr/>
-        <p:txBody>
-          <a:bodyPr/>
-          <a:lstStyle/>
-          <a:p>
-            <a:r>
-              <a:rPr lang="en-AU" dirty="0" smtClean="0"/>
-              <a:t>Sample Answers</a:t>
-            </a:r>
-            <a:endParaRPr lang="en-AU" dirty="0"/>
-          </a:p>
-        </p:txBody>
-      </p:sp>
-      <p:sp>
-        <p:nvSpPr>
-          <p:cNvPr id="3" name="Content Placeholder 2"/>
-          <p:cNvSpPr>
-            <a:spLocks noGrp="1"/>
-          </p:cNvSpPr>
-          <p:nvPr>
-            <p:ph idx="1"/>
-          </p:nvPr>
-        </p:nvSpPr>
-        <p:spPr/>
-        <p:txBody>
-          <a:bodyPr/>
-          <a:lstStyle/>
-          <a:p>
-            <a:r>
-              <a:rPr lang="en-US" dirty="0">
-                <a:solidFill>
-                  <a:srgbClr val="000000"/>
-                </a:solidFill>
-                <a:latin typeface="Tahoma" pitchFamily="34" charset="0"/>
-                <a:ea typeface="Tahoma" pitchFamily="34" charset="0"/>
-                <a:cs typeface="Tahoma" pitchFamily="34" charset="0"/>
-              </a:rPr>
-              <a:t>Sample </a:t>
-            </a:r>
-            <a:r>
-              <a:rPr lang="en-US" dirty="0" smtClean="0">
-                <a:solidFill>
-                  <a:srgbClr val="000000"/>
-                </a:solidFill>
-                <a:latin typeface="Tahoma" pitchFamily="34" charset="0"/>
-                <a:ea typeface="Tahoma" pitchFamily="34" charset="0"/>
-                <a:cs typeface="Tahoma" pitchFamily="34" charset="0"/>
-              </a:rPr>
-              <a:t>answers </a:t>
-            </a:r>
-            <a:r>
-              <a:rPr lang="en-US" dirty="0">
-                <a:solidFill>
-                  <a:srgbClr val="000000"/>
-                </a:solidFill>
-                <a:latin typeface="Tahoma" pitchFamily="34" charset="0"/>
-                <a:ea typeface="Tahoma" pitchFamily="34" charset="0"/>
-                <a:cs typeface="Tahoma" pitchFamily="34" charset="0"/>
-              </a:rPr>
-              <a:t>to all </a:t>
-            </a:r>
-            <a:r>
-              <a:rPr lang="en-US" dirty="0" smtClean="0">
-                <a:solidFill>
-                  <a:srgbClr val="000000"/>
-                </a:solidFill>
-                <a:latin typeface="Tahoma" pitchFamily="34" charset="0"/>
-                <a:ea typeface="Tahoma" pitchFamily="34" charset="0"/>
-                <a:cs typeface="Tahoma" pitchFamily="34" charset="0"/>
-              </a:rPr>
-              <a:t>exercises in </a:t>
-            </a:r>
-            <a:r>
-              <a:rPr lang="en-US" dirty="0">
-                <a:solidFill>
-                  <a:srgbClr val="000000"/>
-                </a:solidFill>
-                <a:latin typeface="Tahoma" pitchFamily="34" charset="0"/>
-                <a:ea typeface="Tahoma" pitchFamily="34" charset="0"/>
-                <a:cs typeface="Tahoma" pitchFamily="34" charset="0"/>
-              </a:rPr>
-              <a:t>this course are available on </a:t>
-            </a:r>
-            <a:r>
-              <a:rPr lang="en-US" dirty="0" err="1" smtClean="0">
-                <a:solidFill>
-                  <a:srgbClr val="000000"/>
-                </a:solidFill>
-                <a:latin typeface="Tahoma" pitchFamily="34" charset="0"/>
-                <a:ea typeface="Tahoma" pitchFamily="34" charset="0"/>
-                <a:cs typeface="Tahoma" pitchFamily="34" charset="0"/>
-              </a:rPr>
-              <a:t>GitHub</a:t>
-            </a:r>
-            <a:r>
-              <a:rPr lang="en-US" dirty="0">
-                <a:solidFill>
-                  <a:srgbClr val="000000"/>
-                </a:solidFill>
-                <a:latin typeface="Tahoma" pitchFamily="34" charset="0"/>
-                <a:ea typeface="Tahoma" pitchFamily="34" charset="0"/>
-                <a:cs typeface="Tahoma" pitchFamily="34" charset="0"/>
-              </a:rPr>
-              <a:t> - </a:t>
-            </a:r>
-            <a:r>
-              <a:rPr lang="en-US" dirty="0">
-                <a:solidFill>
-                  <a:srgbClr val="000000"/>
-                </a:solidFill>
-                <a:latin typeface="Tahoma" pitchFamily="34" charset="0"/>
-                <a:ea typeface="Tahoma" pitchFamily="34" charset="0"/>
-                <a:cs typeface="Tahoma" pitchFamily="34" charset="0"/>
-                <a:hlinkClick r:id="rId2"/>
-              </a:rPr>
-              <a:t>https://</a:t>
-            </a:r>
-            <a:r>
-              <a:rPr lang="en-US" dirty="0" smtClean="0">
-                <a:solidFill>
-                  <a:srgbClr val="000000"/>
-                </a:solidFill>
-                <a:latin typeface="Tahoma" pitchFamily="34" charset="0"/>
-                <a:ea typeface="Tahoma" pitchFamily="34" charset="0"/>
-                <a:cs typeface="Tahoma" pitchFamily="34" charset="0"/>
-                <a:hlinkClick r:id="rId2"/>
-              </a:rPr>
-              <a:t>github.com/IntersectAustralia/TrainingMaterials/blob/master/IntroToUnixHPC/Answers.pdf</a:t>
-            </a:r>
-            <a:endParaRPr lang="en-US" dirty="0" smtClean="0">
-              <a:solidFill>
-                <a:srgbClr val="000000"/>
-              </a:solidFill>
-              <a:latin typeface="Tahoma" pitchFamily="34" charset="0"/>
-              <a:ea typeface="Tahoma" pitchFamily="34" charset="0"/>
-              <a:cs typeface="Tahoma" pitchFamily="34" charset="0"/>
-            </a:endParaRPr>
-          </a:p>
-          <a:p>
-            <a:endParaRPr lang="en-US" dirty="0">
-              <a:solidFill>
-                <a:srgbClr val="000000"/>
-              </a:solidFill>
-              <a:latin typeface="Tahoma" pitchFamily="34" charset="0"/>
-              <a:ea typeface="Tahoma" pitchFamily="34" charset="0"/>
-              <a:cs typeface="Tahoma" pitchFamily="34" charset="0"/>
-            </a:endParaRPr>
-          </a:p>
-          <a:p>
-            <a:endParaRPr lang="en-AU" dirty="0"/>
-          </a:p>
-        </p:txBody>
-      </p:sp>
-      <p:sp>
-        <p:nvSpPr>
-          <p:cNvPr id="4" name="Slide Number Placeholder 3"/>
-          <p:cNvSpPr>
-            <a:spLocks noGrp="1"/>
-          </p:cNvSpPr>
-          <p:nvPr>
-            <p:ph type="sldNum" sz="quarter" idx="11"/>
-          </p:nvPr>
-        </p:nvSpPr>
-        <p:spPr/>
-        <p:txBody>
-          <a:bodyPr/>
-          <a:lstStyle/>
-          <a:p>
-            <a:r>
-              <a:rPr lang="en-AU" smtClean="0"/>
-              <a:t>Slide </a:t>
-            </a:r>
-            <a:fld id="{ABB8CB96-3755-4515-8FB1-5DF3F1F0087E}" type="slidenum">
-              <a:rPr lang="en-AU" smtClean="0"/>
-              <a:pPr/>
-              <a:t>44</a:t>
-            </a:fld>
-            <a:endParaRPr lang="en-AU" dirty="0"/>
-          </a:p>
-        </p:txBody>
-      </p:sp>
-    </p:spTree>
-    <p:extLst>
-      <p:ext uri="{BB962C8B-B14F-4D97-AF65-F5344CB8AC3E}">
-        <p14:creationId xmlns:p14="http://schemas.microsoft.com/office/powerpoint/2010/main" val="923671126"/>
-      </p:ext>
-    </p:extLst>
-  </p:cSld>
-  <p:clrMapOvr>
-    <a:masterClrMapping/>
-  </p:clrMapOvr>
-</p:sld>
-</file>
-
 <file path=ppt/slides/slide5.xml><?xml version="1.0" encoding="utf-8"?>
 <p:sld xmlns:a="http://schemas.openxmlformats.org/drawingml/2006/main" xmlns:r="http://schemas.openxmlformats.org/officeDocument/2006/relationships" xmlns:p="http://schemas.openxmlformats.org/presentationml/2006/main">
   <p:cSld>
@@ -13550,7 +13327,7 @@
                 <a:latin typeface="Courier New"/>
                 <a:cs typeface="Courier New"/>
               </a:rPr>
-              <a:t>octane.intersect.org.au</a:t>
+              <a:t>raijin.nci.org.au</a:t>
             </a:r>
             <a:endParaRPr lang="en-US" b="1" u="sng" dirty="0" smtClean="0">
               <a:solidFill>
@@ -13589,24 +13366,12 @@
           </p:cNvPicPr>
           <p:nvPr/>
         </p:nvPicPr>
-        <mc:AlternateContent xmlns:mc="http://schemas.openxmlformats.org/markup-compatibility/2006">
-          <mc:Choice xmlns:ma="http://schemas.microsoft.com/office/mac/drawingml/2008/main" xmlns:mv="urn:schemas-microsoft-com:mac:vml" xmlns="" Requires="ma">
-            <p:blipFill>
-              <a:blip r:embed="rId2"/>
-              <a:stretch>
-                <a:fillRect/>
-              </a:stretch>
-            </p:blipFill>
-          </mc:Choice>
-          <mc:Fallback>
-            <p:blipFill>
-              <a:blip r:embed="rId3"/>
-              <a:stretch>
-                <a:fillRect/>
-              </a:stretch>
-            </p:blipFill>
-          </mc:Fallback>
-        </mc:AlternateContent>
+        <p:blipFill>
+          <a:blip r:embed="rId2"/>
+          <a:stretch>
+            <a:fillRect/>
+          </a:stretch>
+        </p:blipFill>
         <p:spPr>
           <a:xfrm>
             <a:off x="7620000" y="3505200"/>
@@ -13828,24 +13593,12 @@
           </p:cNvPicPr>
           <p:nvPr/>
         </p:nvPicPr>
-        <mc:AlternateContent xmlns:mc="http://schemas.openxmlformats.org/markup-compatibility/2006">
-          <mc:Choice xmlns:ma="http://schemas.microsoft.com/office/mac/drawingml/2008/main" xmlns:mv="urn:schemas-microsoft-com:mac:vml" xmlns="" Requires="ma">
-            <p:blipFill>
-              <a:blip r:embed="rId2"/>
-              <a:stretch>
-                <a:fillRect/>
-              </a:stretch>
-            </p:blipFill>
-          </mc:Choice>
-          <mc:Fallback>
-            <p:blipFill>
-              <a:blip r:embed="rId3"/>
-              <a:stretch>
-                <a:fillRect/>
-              </a:stretch>
-            </p:blipFill>
-          </mc:Fallback>
-        </mc:AlternateContent>
+        <p:blipFill>
+          <a:blip r:embed="rId2"/>
+          <a:stretch>
+            <a:fillRect/>
+          </a:stretch>
+        </p:blipFill>
         <p:spPr>
           <a:xfrm>
             <a:off x="1907704" y="3051894"/>
@@ -13948,24 +13701,12 @@
           </p:cNvPicPr>
           <p:nvPr/>
         </p:nvPicPr>
-        <mc:AlternateContent xmlns:mc="http://schemas.openxmlformats.org/markup-compatibility/2006">
-          <mc:Choice xmlns:ma="http://schemas.microsoft.com/office/mac/drawingml/2008/main" xmlns:mv="urn:schemas-microsoft-com:mac:vml" xmlns="" Requires="ma">
-            <p:blipFill>
-              <a:blip r:embed="rId2"/>
-              <a:stretch>
-                <a:fillRect/>
-              </a:stretch>
-            </p:blipFill>
-          </mc:Choice>
-          <mc:Fallback>
-            <p:blipFill>
-              <a:blip r:embed="rId3"/>
-              <a:stretch>
-                <a:fillRect/>
-              </a:stretch>
-            </p:blipFill>
-          </mc:Fallback>
-        </mc:AlternateContent>
+        <p:blipFill>
+          <a:blip r:embed="rId2"/>
+          <a:stretch>
+            <a:fillRect/>
+          </a:stretch>
+        </p:blipFill>
         <p:spPr>
           <a:xfrm>
             <a:off x="1676400" y="1143000"/>
@@ -14187,24 +13928,12 @@
           </p:cNvPicPr>
           <p:nvPr/>
         </p:nvPicPr>
-        <mc:AlternateContent xmlns:mc="http://schemas.openxmlformats.org/markup-compatibility/2006">
-          <mc:Choice xmlns:ma="http://schemas.microsoft.com/office/mac/drawingml/2008/main" xmlns:mv="urn:schemas-microsoft-com:mac:vml" xmlns="" Requires="ma">
-            <p:blipFill>
-              <a:blip r:embed="rId3"/>
-              <a:stretch>
-                <a:fillRect/>
-              </a:stretch>
-            </p:blipFill>
-          </mc:Choice>
-          <mc:Fallback>
-            <p:blipFill>
-              <a:blip r:embed="rId4"/>
-              <a:stretch>
-                <a:fillRect/>
-              </a:stretch>
-            </p:blipFill>
-          </mc:Fallback>
-        </mc:AlternateContent>
+        <p:blipFill>
+          <a:blip r:embed="rId3"/>
+          <a:stretch>
+            <a:fillRect/>
+          </a:stretch>
+        </p:blipFill>
         <p:spPr>
           <a:xfrm>
             <a:off x="1295400" y="5029200"/>
